--- a/Lesson 5/Lesson 5.pptx
+++ b/Lesson 5/Lesson 5.pptx
@@ -276,7 +276,7 @@
           <a:p>
             <a:fld id="{76586147-1295-4C85-B48B-BFD57414E2B2}" type="datetimeFigureOut">
               <a:rPr lang="en-US" smtClean="0"/>
-              <a:t>2/25/2019</a:t>
+              <a:t>2/26/2019</a:t>
             </a:fld>
             <a:endParaRPr lang="en-US"/>
           </a:p>
@@ -682,7 +682,7 @@
           <a:p>
             <a:fld id="{76586147-1295-4C85-B48B-BFD57414E2B2}" type="datetimeFigureOut">
               <a:rPr lang="en-US" smtClean="0"/>
-              <a:t>2/25/2019</a:t>
+              <a:t>2/26/2019</a:t>
             </a:fld>
             <a:endParaRPr lang="en-US"/>
           </a:p>
@@ -1100,7 +1100,7 @@
           <a:p>
             <a:fld id="{76586147-1295-4C85-B48B-BFD57414E2B2}" type="datetimeFigureOut">
               <a:rPr lang="en-US" smtClean="0"/>
-              <a:t>2/25/2019</a:t>
+              <a:t>2/26/2019</a:t>
             </a:fld>
             <a:endParaRPr lang="en-US"/>
           </a:p>
@@ -1508,7 +1508,7 @@
           <a:p>
             <a:fld id="{76586147-1295-4C85-B48B-BFD57414E2B2}" type="datetimeFigureOut">
               <a:rPr lang="en-US" smtClean="0"/>
-              <a:t>2/25/2019</a:t>
+              <a:t>2/26/2019</a:t>
             </a:fld>
             <a:endParaRPr lang="en-US"/>
           </a:p>
@@ -1991,7 +1991,7 @@
           <a:p>
             <a:fld id="{76586147-1295-4C85-B48B-BFD57414E2B2}" type="datetimeFigureOut">
               <a:rPr lang="en-US" smtClean="0"/>
-              <a:t>2/25/2019</a:t>
+              <a:t>2/26/2019</a:t>
             </a:fld>
             <a:endParaRPr lang="en-US"/>
           </a:p>
@@ -2464,7 +2464,7 @@
           <a:p>
             <a:fld id="{76586147-1295-4C85-B48B-BFD57414E2B2}" type="datetimeFigureOut">
               <a:rPr lang="en-US" smtClean="0"/>
-              <a:t>2/25/2019</a:t>
+              <a:t>2/26/2019</a:t>
             </a:fld>
             <a:endParaRPr lang="en-US"/>
           </a:p>
@@ -3084,7 +3084,7 @@
           <a:p>
             <a:fld id="{76586147-1295-4C85-B48B-BFD57414E2B2}" type="datetimeFigureOut">
               <a:rPr lang="en-US" smtClean="0"/>
-              <a:t>2/25/2019</a:t>
+              <a:t>2/26/2019</a:t>
             </a:fld>
             <a:endParaRPr lang="en-US"/>
           </a:p>
@@ -3439,7 +3439,7 @@
           <a:p>
             <a:fld id="{76586147-1295-4C85-B48B-BFD57414E2B2}" type="datetimeFigureOut">
               <a:rPr lang="en-US" smtClean="0"/>
-              <a:t>2/25/2019</a:t>
+              <a:t>2/26/2019</a:t>
             </a:fld>
             <a:endParaRPr lang="en-US"/>
           </a:p>
@@ -3760,7 +3760,7 @@
           <a:p>
             <a:fld id="{76586147-1295-4C85-B48B-BFD57414E2B2}" type="datetimeFigureOut">
               <a:rPr lang="en-US" smtClean="0"/>
-              <a:t>2/25/2019</a:t>
+              <a:t>2/26/2019</a:t>
             </a:fld>
             <a:endParaRPr lang="en-US"/>
           </a:p>
@@ -4279,7 +4279,7 @@
           <a:p>
             <a:fld id="{76586147-1295-4C85-B48B-BFD57414E2B2}" type="datetimeFigureOut">
               <a:rPr lang="en-US" smtClean="0"/>
-              <a:t>2/25/2019</a:t>
+              <a:t>2/26/2019</a:t>
             </a:fld>
             <a:endParaRPr lang="en-US"/>
           </a:p>
@@ -4778,7 +4778,7 @@
           <a:p>
             <a:fld id="{76586147-1295-4C85-B48B-BFD57414E2B2}" type="datetimeFigureOut">
               <a:rPr lang="en-US" smtClean="0"/>
-              <a:t>2/25/2019</a:t>
+              <a:t>2/26/2019</a:t>
             </a:fld>
             <a:endParaRPr lang="en-US"/>
           </a:p>
@@ -5253,7 +5253,7 @@
           <a:p>
             <a:fld id="{76586147-1295-4C85-B48B-BFD57414E2B2}" type="datetimeFigureOut">
               <a:rPr lang="en-US" smtClean="0"/>
-              <a:t>2/25/2019</a:t>
+              <a:t>2/26/2019</a:t>
             </a:fld>
             <a:endParaRPr lang="en-US"/>
           </a:p>
@@ -6433,7 +6433,7 @@
                 </a:solidFill>
                 <a:latin typeface="Consolas" panose="020B0609020204030204" pitchFamily="49" charset="0"/>
               </a:rPr>
-              <a:t>book2 = </a:t>
+              <a:t>book2 = [</a:t>
             </a:r>
             <a:r>
               <a:rPr lang="en-US" sz="2000" dirty="0">
@@ -9278,7 +9278,7 @@
                 </a:solidFill>
                 <a:latin typeface="Consolas" panose="020B0609020204030204" pitchFamily="49" charset="0"/>
               </a:rPr>
-              <a:t>(book[</a:t>
+              <a:t>(books[</a:t>
             </a:r>
             <a:r>
               <a:rPr lang="en-US" sz="2000" dirty="0">
